--- a/Slides/Ch1-Introduction.pptx
+++ b/Slides/Ch1-Introduction.pptx
@@ -7281,8 +7281,8 @@
         </p:nvSpPr>
         <p:spPr>
           <a:xfrm>
-            <a:off x="2488473" y="3789040"/>
-            <a:ext cx="7215052" cy="1969770"/>
+            <a:off x="2247830" y="3789040"/>
+            <a:ext cx="7696338" cy="1969770"/>
           </a:xfrm>
           <a:prstGeom prst="rect">
             <a:avLst/>
@@ -7297,7 +7297,12 @@
           <a:p>
             <a:pPr algn="ctr"/>
             <a:r>
-              <a:rPr lang="en-US" sz="4000" dirty="0"/>
+              <a:rPr lang="en-US" sz="4000" b="1" dirty="0">
+                <a:solidFill>
+                  <a:srgbClr val="FFFF00"/>
+                </a:solidFill>
+                <a:latin typeface="Bahnschrift Condensed" panose="020B0502040204020203" pitchFamily="34" charset="0"/>
+              </a:rPr>
               <a:t>Dr. Sajid Iqbal</a:t>
             </a:r>
           </a:p>
@@ -7350,8 +7355,8 @@
         </p:blipFill>
         <p:spPr bwMode="auto">
           <a:xfrm>
-            <a:off x="5100637" y="1306611"/>
-            <a:ext cx="1990725" cy="2305050"/>
+            <a:off x="4943872" y="1268760"/>
+            <a:ext cx="2304256" cy="2668086"/>
           </a:xfrm>
           <a:prstGeom prst="rect">
             <a:avLst/>
@@ -14849,7 +14854,7 @@
           <a:p>
             <a:r>
               <a:rPr lang="en-US" dirty="0"/>
-              <a:t>We want to enable our machines to extract the process by looing at input and output</a:t>
+              <a:t>We want to enable our machines to extract the process by looking at input and output</a:t>
             </a:r>
           </a:p>
         </p:txBody>
@@ -15773,7 +15778,12 @@
             <p:ph idx="1"/>
           </p:nvPr>
         </p:nvSpPr>
-        <p:spPr/>
+        <p:spPr>
+          <a:xfrm>
+            <a:off x="680112" y="1447800"/>
+            <a:ext cx="8946541" cy="4195481"/>
+          </a:xfrm>
+        </p:spPr>
         <p:txBody>
           <a:bodyPr>
             <a:normAutofit/>
@@ -15802,18 +15812,20 @@
               <a:rPr lang="tr-TR" dirty="0"/>
               <a:t>Role of Computer science: Efficient algorithms to</a:t>
             </a:r>
+            <a:endParaRPr lang="en-US" dirty="0"/>
           </a:p>
           <a:p>
             <a:pPr lvl="1"/>
             <a:r>
-              <a:rPr lang="tr-TR" sz="2400" dirty="0"/>
+              <a:rPr lang="tr-TR" sz="2200" dirty="0"/>
               <a:t>Solve the optimization problem</a:t>
             </a:r>
+            <a:endParaRPr lang="en-US" sz="2200" dirty="0"/>
           </a:p>
           <a:p>
             <a:pPr lvl="1"/>
             <a:r>
-              <a:rPr lang="tr-TR" sz="2400" dirty="0"/>
+              <a:rPr lang="tr-TR" dirty="0"/>
               <a:t>Representing and evaluating the model for inference</a:t>
             </a:r>
           </a:p>
@@ -15874,6 +15886,96 @@
           </a:p>
         </p:txBody>
       </p:sp>
+      <p:pic>
+        <p:nvPicPr>
+          <p:cNvPr id="3074" name="Picture 2" descr="Data Science Vs Machine Learning Vs Artificial Intelligence">
+            <a:extLst>
+              <a:ext uri="{FF2B5EF4-FFF2-40B4-BE49-F238E27FC236}">
+                <a16:creationId xmlns:a16="http://schemas.microsoft.com/office/drawing/2014/main" id="{977C1D42-4BE3-4FA3-9269-366017E52EE3}"/>
+              </a:ext>
+            </a:extLst>
+          </p:cNvPr>
+          <p:cNvPicPr>
+            <a:picLocks noChangeAspect="1" noChangeArrowheads="1"/>
+          </p:cNvPicPr>
+          <p:nvPr/>
+        </p:nvPicPr>
+        <p:blipFill rotWithShape="1">
+          <a:blip r:embed="rId2">
+            <a:extLst>
+              <a:ext uri="{28A0092B-C50C-407E-A947-70E740481C1C}">
+                <a14:useLocalDpi xmlns:a14="http://schemas.microsoft.com/office/drawing/2010/main" val="0"/>
+              </a:ext>
+            </a:extLst>
+          </a:blip>
+          <a:srcRect l="29132" r="29132"/>
+          <a:stretch/>
+        </p:blipFill>
+        <p:spPr bwMode="auto">
+          <a:xfrm>
+            <a:off x="7680177" y="2382164"/>
+            <a:ext cx="4361088" cy="4339646"/>
+          </a:xfrm>
+          <a:prstGeom prst="rect">
+            <a:avLst/>
+          </a:prstGeom>
+          <a:noFill/>
+          <a:extLst>
+            <a:ext uri="{909E8E84-426E-40DD-AFC4-6F175D3DCCD1}">
+              <a14:hiddenFill xmlns:a14="http://schemas.microsoft.com/office/drawing/2010/main">
+                <a:solidFill>
+                  <a:srgbClr val="FFFFFF"/>
+                </a:solidFill>
+              </a14:hiddenFill>
+            </a:ext>
+          </a:extLst>
+        </p:spPr>
+      </p:pic>
+      <p:pic>
+        <p:nvPicPr>
+          <p:cNvPr id="3076" name="Picture 4" descr="Image for post">
+            <a:extLst>
+              <a:ext uri="{FF2B5EF4-FFF2-40B4-BE49-F238E27FC236}">
+                <a16:creationId xmlns:a16="http://schemas.microsoft.com/office/drawing/2014/main" id="{A9ACF125-0EB2-48A0-839F-1B6C3284598E}"/>
+              </a:ext>
+            </a:extLst>
+          </p:cNvPr>
+          <p:cNvPicPr>
+            <a:picLocks noChangeAspect="1" noChangeArrowheads="1"/>
+          </p:cNvPicPr>
+          <p:nvPr/>
+        </p:nvPicPr>
+        <p:blipFill rotWithShape="1">
+          <a:blip r:embed="rId3">
+            <a:extLst>
+              <a:ext uri="{28A0092B-C50C-407E-A947-70E740481C1C}">
+                <a14:useLocalDpi xmlns:a14="http://schemas.microsoft.com/office/drawing/2010/main" val="0"/>
+              </a:ext>
+            </a:extLst>
+          </a:blip>
+          <a:srcRect l="6531" t="6694" r="5585" b="6694"/>
+          <a:stretch/>
+        </p:blipFill>
+        <p:spPr bwMode="auto">
+          <a:xfrm>
+            <a:off x="3728292" y="4293096"/>
+            <a:ext cx="3240360" cy="2438981"/>
+          </a:xfrm>
+          <a:prstGeom prst="rect">
+            <a:avLst/>
+          </a:prstGeom>
+          <a:noFill/>
+          <a:extLst>
+            <a:ext uri="{909E8E84-426E-40DD-AFC4-6F175D3DCCD1}">
+              <a14:hiddenFill xmlns:a14="http://schemas.microsoft.com/office/drawing/2010/main">
+                <a:solidFill>
+                  <a:srgbClr val="FFFFFF"/>
+                </a:solidFill>
+              </a14:hiddenFill>
+            </a:ext>
+          </a:extLst>
+        </p:spPr>
+      </p:pic>
     </p:spTree>
   </p:cSld>
   <p:clrMapOvr>
